--- a/02.scikit-learn/ch02-scikit-learn.pptx
+++ b/02.scikit-learn/ch02-scikit-learn.pptx
@@ -283,7 +283,7 @@
           <a:p>
             <a:fld id="{32DDF07B-5F05-43C3-85BC-64C1B957B47C}" type="datetimeFigureOut">
               <a:rPr lang="ko-KR" altLang="en-US" smtClean="0"/>
-              <a:t>2021-01-12</a:t>
+              <a:t>2021-01-17</a:t>
             </a:fld>
             <a:endParaRPr lang="ko-KR" altLang="en-US"/>
           </a:p>
@@ -3871,7 +3871,7 @@
           <a:p>
             <a:fld id="{8BA0EE42-D9E3-4C06-B37F-56BDDF3144E8}" type="datetimeFigureOut">
               <a:rPr lang="ko-KR" altLang="en-US" smtClean="0"/>
-              <a:t>2021-01-12</a:t>
+              <a:t>2021-01-17</a:t>
             </a:fld>
             <a:endParaRPr lang="ko-KR" altLang="en-US"/>
           </a:p>
@@ -4039,7 +4039,7 @@
           <a:p>
             <a:fld id="{8BA0EE42-D9E3-4C06-B37F-56BDDF3144E8}" type="datetimeFigureOut">
               <a:rPr lang="ko-KR" altLang="en-US" smtClean="0"/>
-              <a:t>2021-01-12</a:t>
+              <a:t>2021-01-17</a:t>
             </a:fld>
             <a:endParaRPr lang="ko-KR" altLang="en-US"/>
           </a:p>
@@ -4217,7 +4217,7 @@
           <a:p>
             <a:fld id="{8BA0EE42-D9E3-4C06-B37F-56BDDF3144E8}" type="datetimeFigureOut">
               <a:rPr lang="ko-KR" altLang="en-US" smtClean="0"/>
-              <a:t>2021-01-12</a:t>
+              <a:t>2021-01-17</a:t>
             </a:fld>
             <a:endParaRPr lang="ko-KR" altLang="en-US"/>
           </a:p>
@@ -4409,7 +4409,7 @@
           <a:p>
             <a:fld id="{8BA0EE42-D9E3-4C06-B37F-56BDDF3144E8}" type="datetimeFigureOut">
               <a:rPr lang="ko-KR" altLang="en-US" smtClean="0"/>
-              <a:t>2021-01-12</a:t>
+              <a:t>2021-01-17</a:t>
             </a:fld>
             <a:endParaRPr lang="ko-KR" altLang="en-US"/>
           </a:p>
@@ -4654,7 +4654,7 @@
           <a:p>
             <a:fld id="{8BA0EE42-D9E3-4C06-B37F-56BDDF3144E8}" type="datetimeFigureOut">
               <a:rPr lang="ko-KR" altLang="en-US" smtClean="0"/>
-              <a:t>2021-01-12</a:t>
+              <a:t>2021-01-17</a:t>
             </a:fld>
             <a:endParaRPr lang="ko-KR" altLang="en-US"/>
           </a:p>
@@ -4883,7 +4883,7 @@
           <a:p>
             <a:fld id="{8BA0EE42-D9E3-4C06-B37F-56BDDF3144E8}" type="datetimeFigureOut">
               <a:rPr lang="ko-KR" altLang="en-US" smtClean="0"/>
-              <a:t>2021-01-12</a:t>
+              <a:t>2021-01-17</a:t>
             </a:fld>
             <a:endParaRPr lang="ko-KR" altLang="en-US"/>
           </a:p>
@@ -5247,7 +5247,7 @@
           <a:p>
             <a:fld id="{8BA0EE42-D9E3-4C06-B37F-56BDDF3144E8}" type="datetimeFigureOut">
               <a:rPr lang="ko-KR" altLang="en-US" smtClean="0"/>
-              <a:t>2021-01-12</a:t>
+              <a:t>2021-01-17</a:t>
             </a:fld>
             <a:endParaRPr lang="ko-KR" altLang="en-US"/>
           </a:p>
@@ -5364,7 +5364,7 @@
           <a:p>
             <a:fld id="{8BA0EE42-D9E3-4C06-B37F-56BDDF3144E8}" type="datetimeFigureOut">
               <a:rPr lang="ko-KR" altLang="en-US" smtClean="0"/>
-              <a:t>2021-01-12</a:t>
+              <a:t>2021-01-17</a:t>
             </a:fld>
             <a:endParaRPr lang="ko-KR" altLang="en-US"/>
           </a:p>
@@ -5459,7 +5459,7 @@
           <a:p>
             <a:fld id="{8BA0EE42-D9E3-4C06-B37F-56BDDF3144E8}" type="datetimeFigureOut">
               <a:rPr lang="ko-KR" altLang="en-US" smtClean="0"/>
-              <a:t>2021-01-12</a:t>
+              <a:t>2021-01-17</a:t>
             </a:fld>
             <a:endParaRPr lang="ko-KR" altLang="en-US"/>
           </a:p>
@@ -5734,7 +5734,7 @@
           <a:p>
             <a:fld id="{8BA0EE42-D9E3-4C06-B37F-56BDDF3144E8}" type="datetimeFigureOut">
               <a:rPr lang="ko-KR" altLang="en-US" smtClean="0"/>
-              <a:t>2021-01-12</a:t>
+              <a:t>2021-01-17</a:t>
             </a:fld>
             <a:endParaRPr lang="ko-KR" altLang="en-US"/>
           </a:p>
@@ -5986,7 +5986,7 @@
           <a:p>
             <a:fld id="{8BA0EE42-D9E3-4C06-B37F-56BDDF3144E8}" type="datetimeFigureOut">
               <a:rPr lang="ko-KR" altLang="en-US" smtClean="0"/>
-              <a:t>2021-01-12</a:t>
+              <a:t>2021-01-17</a:t>
             </a:fld>
             <a:endParaRPr lang="ko-KR" altLang="en-US"/>
           </a:p>
@@ -6197,7 +6197,7 @@
           <a:p>
             <a:fld id="{8BA0EE42-D9E3-4C06-B37F-56BDDF3144E8}" type="datetimeFigureOut">
               <a:rPr lang="ko-KR" altLang="en-US" smtClean="0"/>
-              <a:t>2021-01-12</a:t>
+              <a:t>2021-01-17</a:t>
             </a:fld>
             <a:endParaRPr lang="ko-KR" altLang="en-US"/>
           </a:p>
@@ -8500,7 +8500,7 @@
         </p:nvSpPr>
         <p:spPr>
           <a:xfrm>
-            <a:off x="319865" y="3296479"/>
+            <a:off x="319865" y="3590393"/>
             <a:ext cx="4449419" cy="296235"/>
           </a:xfrm>
           <a:prstGeom prst="rect">
@@ -8575,7 +8575,7 @@
         </p:nvSpPr>
         <p:spPr>
           <a:xfrm>
-            <a:off x="319864" y="3872890"/>
+            <a:off x="319864" y="4068833"/>
             <a:ext cx="5901740" cy="619400"/>
           </a:xfrm>
           <a:prstGeom prst="rect">
@@ -8766,6 +8766,156 @@
           </a:fontRef>
         </p:style>
       </p:cxnSp>
+      <p:sp>
+        <p:nvSpPr>
+          <p:cNvPr id="15" name="TextBox 14">
+            <a:extLst>
+              <a:ext uri="{FF2B5EF4-FFF2-40B4-BE49-F238E27FC236}">
+                <a16:creationId xmlns:a16="http://schemas.microsoft.com/office/drawing/2014/main" id="{0B57AFE8-75C4-4D5C-AD6D-46295E2DE11A}"/>
+              </a:ext>
+            </a:extLst>
+          </p:cNvPr>
+          <p:cNvSpPr txBox="1"/>
+          <p:nvPr/>
+        </p:nvSpPr>
+        <p:spPr>
+          <a:xfrm>
+            <a:off x="319864" y="4780136"/>
+            <a:ext cx="5539461" cy="296235"/>
+          </a:xfrm>
+          <a:prstGeom prst="rect">
+            <a:avLst/>
+          </a:prstGeom>
+          <a:noFill/>
+        </p:spPr>
+        <p:txBody>
+          <a:bodyPr wrap="none" lIns="36000" tIns="0" rIns="0" bIns="0" rtlCol="0" anchor="ctr" anchorCtr="0">
+            <a:spAutoFit/>
+          </a:bodyPr>
+          <a:lstStyle/>
+          <a:p>
+            <a:pPr>
+              <a:lnSpc>
+                <a:spcPct val="150000"/>
+              </a:lnSpc>
+            </a:pPr>
+            <a:r>
+              <a:rPr lang="ko-KR" altLang="en-US" sz="1400" dirty="0">
+                <a:latin typeface="휴먼편지체" panose="02030504000101010101" pitchFamily="18" charset="-127"/>
+                <a:ea typeface="휴먼편지체" panose="02030504000101010101" pitchFamily="18" charset="-127"/>
+              </a:rPr>
+              <a:t>그런데</a:t>
+            </a:r>
+            <a:r>
+              <a:rPr lang="en-US" altLang="ko-KR" sz="1400" dirty="0">
+                <a:latin typeface="휴먼편지체" panose="02030504000101010101" pitchFamily="18" charset="-127"/>
+                <a:ea typeface="휴먼편지체" panose="02030504000101010101" pitchFamily="18" charset="-127"/>
+              </a:rPr>
+              <a:t>, </a:t>
+            </a:r>
+            <a:r>
+              <a:rPr lang="ko-KR" altLang="en-US" sz="1400" dirty="0">
+                <a:latin typeface="휴먼편지체" panose="02030504000101010101" pitchFamily="18" charset="-127"/>
+                <a:ea typeface="휴먼편지체" panose="02030504000101010101" pitchFamily="18" charset="-127"/>
+              </a:rPr>
+              <a:t>사실 </a:t>
+            </a:r>
+            <a:r>
+              <a:rPr lang="en-US" altLang="ko-KR" sz="1400" dirty="0">
+                <a:latin typeface="휴먼편지체" panose="02030504000101010101" pitchFamily="18" charset="-127"/>
+                <a:ea typeface="휴먼편지체" panose="02030504000101010101" pitchFamily="18" charset="-127"/>
+              </a:rPr>
+              <a:t>scikit-learn</a:t>
+            </a:r>
+            <a:r>
+              <a:rPr lang="ko-KR" altLang="en-US" sz="1400" dirty="0">
+                <a:latin typeface="휴먼편지체" panose="02030504000101010101" pitchFamily="18" charset="-127"/>
+                <a:ea typeface="휴먼편지체" panose="02030504000101010101" pitchFamily="18" charset="-127"/>
+              </a:rPr>
+              <a:t>에서 문자열을 넣어줘도 알아서 해준다</a:t>
+            </a:r>
+            <a:r>
+              <a:rPr lang="en-US" altLang="ko-KR" sz="1400" dirty="0">
+                <a:latin typeface="휴먼편지체" panose="02030504000101010101" pitchFamily="18" charset="-127"/>
+                <a:ea typeface="휴먼편지체" panose="02030504000101010101" pitchFamily="18" charset="-127"/>
+              </a:rPr>
+              <a:t>. (</a:t>
+            </a:r>
+            <a:r>
+              <a:rPr lang="ko-KR" altLang="en-US" sz="1400" dirty="0">
+                <a:latin typeface="휴먼편지체" panose="02030504000101010101" pitchFamily="18" charset="-127"/>
+                <a:ea typeface="휴먼편지체" panose="02030504000101010101" pitchFamily="18" charset="-127"/>
+              </a:rPr>
+              <a:t>해보면 된다</a:t>
+            </a:r>
+            <a:r>
+              <a:rPr lang="en-US" altLang="ko-KR" sz="1400" dirty="0">
+                <a:latin typeface="휴먼편지체" panose="02030504000101010101" pitchFamily="18" charset="-127"/>
+                <a:ea typeface="휴먼편지체" panose="02030504000101010101" pitchFamily="18" charset="-127"/>
+              </a:rPr>
+              <a:t>)</a:t>
+            </a:r>
+            <a:endParaRPr lang="ko-KR" altLang="en-US" sz="1400" dirty="0">
+              <a:latin typeface="휴먼편지체" panose="02030504000101010101" pitchFamily="18" charset="-127"/>
+              <a:ea typeface="휴먼편지체" panose="02030504000101010101" pitchFamily="18" charset="-127"/>
+            </a:endParaRPr>
+          </a:p>
+        </p:txBody>
+      </p:sp>
+      <p:sp>
+        <p:nvSpPr>
+          <p:cNvPr id="16" name="TextBox 15">
+            <a:extLst>
+              <a:ext uri="{FF2B5EF4-FFF2-40B4-BE49-F238E27FC236}">
+                <a16:creationId xmlns:a16="http://schemas.microsoft.com/office/drawing/2014/main" id="{CF71A7ED-9674-400C-BA45-C335D7F40AF4}"/>
+              </a:ext>
+            </a:extLst>
+          </p:cNvPr>
+          <p:cNvSpPr txBox="1"/>
+          <p:nvPr/>
+        </p:nvSpPr>
+        <p:spPr>
+          <a:xfrm>
+            <a:off x="319864" y="3162799"/>
+            <a:ext cx="4325987" cy="296235"/>
+          </a:xfrm>
+          <a:prstGeom prst="rect">
+            <a:avLst/>
+          </a:prstGeom>
+          <a:noFill/>
+        </p:spPr>
+        <p:txBody>
+          <a:bodyPr wrap="none" lIns="36000" tIns="0" rIns="0" bIns="0" rtlCol="0" anchor="ctr" anchorCtr="0">
+            <a:spAutoFit/>
+          </a:bodyPr>
+          <a:lstStyle/>
+          <a:p>
+            <a:pPr>
+              <a:lnSpc>
+                <a:spcPct val="150000"/>
+              </a:lnSpc>
+            </a:pPr>
+            <a:r>
+              <a:rPr lang="ko-KR" altLang="en-US" sz="1400" dirty="0">
+                <a:latin typeface="휴먼편지체" panose="02030504000101010101" pitchFamily="18" charset="-127"/>
+                <a:ea typeface="휴먼편지체" panose="02030504000101010101" pitchFamily="18" charset="-127"/>
+              </a:rPr>
+              <a:t>입력은 숫자로 해줘야 하기에 문자열을 숫자로 변경해야 한다</a:t>
+            </a:r>
+            <a:r>
+              <a:rPr lang="en-US" altLang="ko-KR" sz="1400" dirty="0">
+                <a:latin typeface="휴먼편지체" panose="02030504000101010101" pitchFamily="18" charset="-127"/>
+                <a:ea typeface="휴먼편지체" panose="02030504000101010101" pitchFamily="18" charset="-127"/>
+              </a:rPr>
+              <a:t>.</a:t>
+            </a:r>
+            <a:endParaRPr lang="ko-KR" altLang="en-US" sz="1400" dirty="0">
+              <a:latin typeface="휴먼편지체" panose="02030504000101010101" pitchFamily="18" charset="-127"/>
+              <a:ea typeface="휴먼편지체" panose="02030504000101010101" pitchFamily="18" charset="-127"/>
+            </a:endParaRPr>
+          </a:p>
+        </p:txBody>
+      </p:sp>
     </p:spTree>
     <p:extLst>
       <p:ext uri="{BB962C8B-B14F-4D97-AF65-F5344CB8AC3E}">
@@ -15201,8 +15351,8 @@
         </p:nvSpPr>
         <p:spPr>
           <a:xfrm>
-            <a:off x="2864828" y="3877752"/>
-            <a:ext cx="7957038" cy="352372"/>
+            <a:off x="1934308" y="3877752"/>
+            <a:ext cx="8887558" cy="352372"/>
           </a:xfrm>
           <a:prstGeom prst="rect">
             <a:avLst/>
@@ -15243,7 +15393,7 @@
                 <a:latin typeface="맑은 고딕" panose="020B0503020000020004" pitchFamily="50" charset="-127"/>
                 <a:ea typeface="맑은 고딕" panose="020B0503020000020004" pitchFamily="50" charset="-127"/>
               </a:rPr>
-              <a:t>train_test_split(                                                                                        )</a:t>
+              <a:t>train_test_split(                                                                                                    )</a:t>
             </a:r>
           </a:p>
         </p:txBody>
@@ -15311,7 +15461,7 @@
                 <a:latin typeface="맑은 고딕" panose="020B0503020000020004" pitchFamily="50" charset="-127"/>
                 <a:ea typeface="맑은 고딕" panose="020B0503020000020004" pitchFamily="50" charset="-127"/>
               </a:rPr>
-              <a:t>arrays,</a:t>
+              <a:t>target,</a:t>
             </a:r>
             <a:endParaRPr lang="ko-KR" altLang="en-US" sz="1600" dirty="0">
               <a:solidFill>
@@ -16756,6 +16906,127 @@
           </a:p>
         </p:txBody>
       </p:sp>
+      <p:sp>
+        <p:nvSpPr>
+          <p:cNvPr id="26" name="사각형: 둥근 모서리 25">
+            <a:extLst>
+              <a:ext uri="{FF2B5EF4-FFF2-40B4-BE49-F238E27FC236}">
+                <a16:creationId xmlns:a16="http://schemas.microsoft.com/office/drawing/2014/main" id="{42EFF9FD-A3C3-4438-A159-333E721EB658}"/>
+              </a:ext>
+            </a:extLst>
+          </p:cNvPr>
+          <p:cNvSpPr/>
+          <p:nvPr/>
+        </p:nvSpPr>
+        <p:spPr>
+          <a:xfrm>
+            <a:off x="3594307" y="3904702"/>
+            <a:ext cx="719371" cy="288405"/>
+          </a:xfrm>
+          <a:prstGeom prst="roundRect">
+            <a:avLst/>
+          </a:prstGeom>
+          <a:solidFill>
+            <a:schemeClr val="bg1">
+              <a:lumMod val="85000"/>
+            </a:schemeClr>
+          </a:solidFill>
+          <a:ln>
+            <a:noFill/>
+          </a:ln>
+        </p:spPr>
+        <p:style>
+          <a:lnRef idx="2">
+            <a:schemeClr val="accent1">
+              <a:shade val="50000"/>
+            </a:schemeClr>
+          </a:lnRef>
+          <a:fillRef idx="1">
+            <a:schemeClr val="accent1"/>
+          </a:fillRef>
+          <a:effectRef idx="0">
+            <a:schemeClr val="accent1"/>
+          </a:effectRef>
+          <a:fontRef idx="minor">
+            <a:schemeClr val="lt1"/>
+          </a:fontRef>
+        </p:style>
+        <p:txBody>
+          <a:bodyPr rot="0" spcFirstLastPara="0" vertOverflow="overflow" horzOverflow="overflow" vert="horz" wrap="square" lIns="91440" tIns="45720" rIns="91440" bIns="45720" numCol="1" spcCol="0" rtlCol="0" fromWordArt="0" anchor="ctr" anchorCtr="0" forceAA="0" compatLnSpc="1">
+            <a:prstTxWarp prst="textNoShape">
+              <a:avLst/>
+            </a:prstTxWarp>
+            <a:noAutofit/>
+          </a:bodyPr>
+          <a:lstStyle/>
+          <a:p>
+            <a:pPr algn="ctr"/>
+            <a:r>
+              <a:rPr lang="en-US" altLang="ko-KR" sz="1400" dirty="0">
+                <a:solidFill>
+                  <a:schemeClr val="tx1"/>
+                </a:solidFill>
+                <a:latin typeface="맑은 고딕" panose="020B0503020000020004" pitchFamily="50" charset="-127"/>
+                <a:ea typeface="맑은 고딕" panose="020B0503020000020004" pitchFamily="50" charset="-127"/>
+              </a:rPr>
+              <a:t>data,</a:t>
+            </a:r>
+            <a:endParaRPr lang="ko-KR" altLang="en-US" sz="1600" dirty="0">
+              <a:solidFill>
+                <a:schemeClr val="tx1"/>
+              </a:solidFill>
+              <a:latin typeface="맑은 고딕" panose="020B0503020000020004" pitchFamily="50" charset="-127"/>
+              <a:ea typeface="맑은 고딕" panose="020B0503020000020004" pitchFamily="50" charset="-127"/>
+            </a:endParaRPr>
+          </a:p>
+        </p:txBody>
+      </p:sp>
+      <p:cxnSp>
+        <p:nvCxnSpPr>
+          <p:cNvPr id="27" name="연결선: 구부러짐 26">
+            <a:extLst>
+              <a:ext uri="{FF2B5EF4-FFF2-40B4-BE49-F238E27FC236}">
+                <a16:creationId xmlns:a16="http://schemas.microsoft.com/office/drawing/2014/main" id="{96C29E56-B687-44DC-8BC4-4DE10D4EFD11}"/>
+              </a:ext>
+            </a:extLst>
+          </p:cNvPr>
+          <p:cNvCxnSpPr>
+            <a:cxnSpLocks/>
+            <a:stCxn id="26" idx="0"/>
+            <a:endCxn id="16" idx="1"/>
+          </p:cNvCxnSpPr>
+          <p:nvPr/>
+        </p:nvCxnSpPr>
+        <p:spPr>
+          <a:xfrm rot="5400000" flipH="1" flipV="1">
+            <a:off x="4405355" y="3158750"/>
+            <a:ext cx="294591" cy="1197315"/>
+          </a:xfrm>
+          <a:prstGeom prst="curvedConnector2">
+            <a:avLst/>
+          </a:prstGeom>
+          <a:ln w="15875">
+            <a:solidFill>
+              <a:schemeClr val="tx1"/>
+            </a:solidFill>
+            <a:tailEnd type="triangle"/>
+          </a:ln>
+        </p:spPr>
+        <p:style>
+          <a:lnRef idx="1">
+            <a:schemeClr val="accent1"/>
+          </a:lnRef>
+          <a:fillRef idx="0">
+            <a:schemeClr val="accent1"/>
+          </a:fillRef>
+          <a:effectRef idx="0">
+            <a:schemeClr val="accent1"/>
+          </a:effectRef>
+          <a:fontRef idx="minor">
+            <a:schemeClr val="tx1"/>
+          </a:fontRef>
+        </p:style>
+      </p:cxnSp>
     </p:spTree>
     <p:extLst>
       <p:ext uri="{BB962C8B-B14F-4D97-AF65-F5344CB8AC3E}">
